--- a/文档/汇报.pptx
+++ b/文档/汇报.pptx
@@ -347,7 +347,7 @@
           <a:p>
             <a:fld id="{1778F24D-EB19-4AE0-B015-2BEA6D5224F2}" type="datetimeFigureOut">
               <a:rPr lang="en-US" smtClean="0"/>
-              <a:t>14-5-3</a:t>
+              <a:t>14-5-4</a:t>
             </a:fld>
             <a:endParaRPr lang="en-US"/>
           </a:p>
@@ -660,7 +660,7 @@
           <a:p>
             <a:fld id="{1778F24D-EB19-4AE0-B015-2BEA6D5224F2}" type="datetimeFigureOut">
               <a:rPr lang="en-US" smtClean="0"/>
-              <a:t>14-5-3</a:t>
+              <a:t>14-5-4</a:t>
             </a:fld>
             <a:endParaRPr lang="en-US"/>
           </a:p>
@@ -867,7 +867,7 @@
           <a:p>
             <a:fld id="{1778F24D-EB19-4AE0-B015-2BEA6D5224F2}" type="datetimeFigureOut">
               <a:rPr lang="en-US" smtClean="0"/>
-              <a:t>14-5-3</a:t>
+              <a:t>14-5-4</a:t>
             </a:fld>
             <a:endParaRPr lang="en-US"/>
           </a:p>
@@ -1072,7 +1072,7 @@
           <a:p>
             <a:fld id="{1778F24D-EB19-4AE0-B015-2BEA6D5224F2}" type="datetimeFigureOut">
               <a:rPr lang="en-US" smtClean="0"/>
-              <a:t>14-5-3</a:t>
+              <a:t>14-5-4</a:t>
             </a:fld>
             <a:endParaRPr lang="en-US"/>
           </a:p>
@@ -1267,7 +1267,7 @@
           <a:p>
             <a:fld id="{1778F24D-EB19-4AE0-B015-2BEA6D5224F2}" type="datetimeFigureOut">
               <a:rPr lang="en-US" smtClean="0"/>
-              <a:t>14-5-3</a:t>
+              <a:t>14-5-4</a:t>
             </a:fld>
             <a:endParaRPr lang="en-US"/>
           </a:p>
@@ -1537,7 +1537,7 @@
           <a:p>
             <a:fld id="{1778F24D-EB19-4AE0-B015-2BEA6D5224F2}" type="datetimeFigureOut">
               <a:rPr lang="en-US" smtClean="0"/>
-              <a:t>14-5-3</a:t>
+              <a:t>14-5-4</a:t>
             </a:fld>
             <a:endParaRPr lang="en-US"/>
           </a:p>
@@ -1848,7 +1848,7 @@
           <a:p>
             <a:fld id="{1778F24D-EB19-4AE0-B015-2BEA6D5224F2}" type="datetimeFigureOut">
               <a:rPr lang="en-US" smtClean="0"/>
-              <a:t>14-5-3</a:t>
+              <a:t>14-5-4</a:t>
             </a:fld>
             <a:endParaRPr lang="en-US"/>
           </a:p>
@@ -2309,7 +2309,7 @@
           <a:p>
             <a:fld id="{1778F24D-EB19-4AE0-B015-2BEA6D5224F2}" type="datetimeFigureOut">
               <a:rPr lang="en-US" smtClean="0"/>
-              <a:t>14-5-3</a:t>
+              <a:t>14-5-4</a:t>
             </a:fld>
             <a:endParaRPr lang="en-US"/>
           </a:p>
@@ -2448,7 +2448,7 @@
           <a:p>
             <a:fld id="{1778F24D-EB19-4AE0-B015-2BEA6D5224F2}" type="datetimeFigureOut">
               <a:rPr lang="en-US" smtClean="0"/>
-              <a:t>14-5-3</a:t>
+              <a:t>14-5-4</a:t>
             </a:fld>
             <a:endParaRPr lang="en-US"/>
           </a:p>
@@ -2564,7 +2564,7 @@
           <a:p>
             <a:fld id="{1778F24D-EB19-4AE0-B015-2BEA6D5224F2}" type="datetimeFigureOut">
               <a:rPr lang="en-US" smtClean="0"/>
-              <a:t>14-5-3</a:t>
+              <a:t>14-5-4</a:t>
             </a:fld>
             <a:endParaRPr lang="en-US"/>
           </a:p>
@@ -2850,7 +2850,7 @@
           <a:p>
             <a:fld id="{1778F24D-EB19-4AE0-B015-2BEA6D5224F2}" type="datetimeFigureOut">
               <a:rPr lang="en-US" smtClean="0"/>
-              <a:t>14-5-3</a:t>
+              <a:t>14-5-4</a:t>
             </a:fld>
             <a:endParaRPr lang="en-US"/>
           </a:p>
@@ -3188,7 +3188,7 @@
           <a:p>
             <a:fld id="{1778F24D-EB19-4AE0-B015-2BEA6D5224F2}" type="datetimeFigureOut">
               <a:rPr lang="en-US" smtClean="0"/>
-              <a:t>14-5-3</a:t>
+              <a:t>14-5-4</a:t>
             </a:fld>
             <a:endParaRPr lang="en-US"/>
           </a:p>
@@ -3464,7 +3464,7 @@
           <a:p>
             <a:fld id="{1778F24D-EB19-4AE0-B015-2BEA6D5224F2}" type="datetimeFigureOut">
               <a:rPr lang="en-US" smtClean="0"/>
-              <a:t>14-5-3</a:t>
+              <a:t>14-5-4</a:t>
             </a:fld>
             <a:endParaRPr lang="en-US"/>
           </a:p>
@@ -3979,7 +3979,56 @@
           <a:bodyPr/>
           <a:lstStyle/>
           <a:p>
-            <a:endParaRPr kumimoji="1" lang="zh-CN" altLang="en-US"/>
+            <a:r>
+              <a:rPr kumimoji="1" lang="zh-CN" altLang="en-US" dirty="0" smtClean="0"/>
+              <a:t>文档的重要性</a:t>
+            </a:r>
+            <a:r>
+              <a:rPr kumimoji="1" lang="en-US" altLang="zh-CN" dirty="0" smtClean="0"/>
+              <a:t>——</a:t>
+            </a:r>
+            <a:r>
+              <a:rPr kumimoji="1" lang="zh-CN" altLang="en-US" dirty="0" smtClean="0"/>
+              <a:t>在开始代码之前理清思路，杜绝设计上的问题，方便维护</a:t>
+            </a:r>
+            <a:endParaRPr kumimoji="1" lang="en-US" altLang="zh-CN" dirty="0" smtClean="0"/>
+          </a:p>
+          <a:p>
+            <a:r>
+              <a:rPr kumimoji="1" lang="zh-CN" altLang="en-US" dirty="0" smtClean="0"/>
+              <a:t>不要想太多太全，采用迭代开发和敏捷开发</a:t>
+            </a:r>
+            <a:endParaRPr kumimoji="1" lang="en-US" altLang="zh-CN" dirty="0" smtClean="0"/>
+          </a:p>
+          <a:p>
+            <a:r>
+              <a:rPr kumimoji="1" lang="zh-CN" altLang="en-US" dirty="0" smtClean="0"/>
+              <a:t>学习</a:t>
+            </a:r>
+            <a:r>
+              <a:rPr kumimoji="1" lang="en-US" altLang="zh-CN" dirty="0" smtClean="0"/>
+              <a:t>android</a:t>
+            </a:r>
+            <a:r>
+              <a:rPr kumimoji="1" lang="zh-CN" altLang="en-US" dirty="0" smtClean="0"/>
+              <a:t>开发，对移动</a:t>
+            </a:r>
+            <a:r>
+              <a:rPr kumimoji="1" lang="en-US" altLang="zh-CN" dirty="0" smtClean="0"/>
+              <a:t>app</a:t>
+            </a:r>
+            <a:r>
+              <a:rPr kumimoji="1" lang="zh-CN" altLang="en-US" dirty="0" smtClean="0"/>
+              <a:t>有了初步认识</a:t>
+            </a:r>
+            <a:endParaRPr kumimoji="1" lang="en-US" altLang="zh-CN" dirty="0" smtClean="0"/>
+          </a:p>
+          <a:p>
+            <a:r>
+              <a:rPr kumimoji="1" lang="zh-CN" altLang="en-US" dirty="0"/>
+              <a:t>团队编程，集体的智慧</a:t>
+            </a:r>
+            <a:endParaRPr kumimoji="1" lang="zh-CN" altLang="en-US" dirty="0"/>
           </a:p>
         </p:txBody>
       </p:sp>
